--- a/Lab1/Lab 1.pptx
+++ b/Lab1/Lab 1.pptx
@@ -4,16 +4,21 @@
   <p:sldMasterIdLst>
     <p:sldMasterId id="2147483648" r:id="rId1"/>
   </p:sldMasterIdLst>
+  <p:notesMasterIdLst>
+    <p:notesMasterId r:id="rId13"/>
+  </p:notesMasterIdLst>
   <p:sldIdLst>
     <p:sldId id="256" r:id="rId2"/>
     <p:sldId id="263" r:id="rId3"/>
     <p:sldId id="257" r:id="rId4"/>
     <p:sldId id="258" r:id="rId5"/>
-    <p:sldId id="261" r:id="rId6"/>
-    <p:sldId id="262" r:id="rId7"/>
-    <p:sldId id="259" r:id="rId8"/>
-    <p:sldId id="264" r:id="rId9"/>
-    <p:sldId id="260" r:id="rId10"/>
+    <p:sldId id="265" r:id="rId6"/>
+    <p:sldId id="266" r:id="rId7"/>
+    <p:sldId id="261" r:id="rId8"/>
+    <p:sldId id="262" r:id="rId9"/>
+    <p:sldId id="259" r:id="rId10"/>
+    <p:sldId id="264" r:id="rId11"/>
+    <p:sldId id="260" r:id="rId12"/>
   </p:sldIdLst>
   <p:sldSz cx="12192000" cy="6858000"/>
   <p:notesSz cx="6858000" cy="9144000"/>
@@ -112,7 +117,485 @@
       </a:defRPr>
     </a:lvl9pPr>
   </p:defaultTextStyle>
+  <p:extLst>
+    <p:ext uri="{EFAFB233-063F-42B5-8137-9DF3F51BA10A}">
+      <p15:sldGuideLst xmlns:p15="http://schemas.microsoft.com/office/powerpoint/2012/main"/>
+    </p:ext>
+  </p:extLst>
 </p:presentation>
+</file>
+
+<file path=ppt/notesMasters/notesMaster1.xml><?xml version="1.0" encoding="utf-8"?>
+<p:notesMaster xmlns:a="http://schemas.openxmlformats.org/drawingml/2006/main" xmlns:r="http://schemas.openxmlformats.org/officeDocument/2006/relationships" xmlns:p="http://schemas.openxmlformats.org/presentationml/2006/main">
+  <p:cSld>
+    <p:bg>
+      <p:bgRef idx="1001">
+        <a:schemeClr val="bg1"/>
+      </p:bgRef>
+    </p:bg>
+    <p:spTree>
+      <p:nvGrpSpPr>
+        <p:cNvPr id="1" name=""/>
+        <p:cNvGrpSpPr/>
+        <p:nvPr/>
+      </p:nvGrpSpPr>
+      <p:grpSpPr>
+        <a:xfrm>
+          <a:off x="0" y="0"/>
+          <a:ext cx="0" cy="0"/>
+          <a:chOff x="0" y="0"/>
+          <a:chExt cx="0" cy="0"/>
+        </a:xfrm>
+      </p:grpSpPr>
+      <p:sp>
+        <p:nvSpPr>
+          <p:cNvPr id="2" name="Header Placeholder 1"/>
+          <p:cNvSpPr>
+            <a:spLocks noGrp="1"/>
+          </p:cNvSpPr>
+          <p:nvPr>
+            <p:ph type="hdr" sz="quarter"/>
+          </p:nvPr>
+        </p:nvSpPr>
+        <p:spPr>
+          <a:xfrm>
+            <a:off x="0" y="0"/>
+            <a:ext cx="2971800" cy="458788"/>
+          </a:xfrm>
+          <a:prstGeom prst="rect">
+            <a:avLst/>
+          </a:prstGeom>
+        </p:spPr>
+        <p:txBody>
+          <a:bodyPr vert="horz" lIns="91440" tIns="45720" rIns="91440" bIns="45720" rtlCol="0"/>
+          <a:lstStyle>
+            <a:lvl1pPr algn="l">
+              <a:defRPr sz="1200"/>
+            </a:lvl1pPr>
+          </a:lstStyle>
+          <a:p>
+            <a:endParaRPr lang="en-US"/>
+          </a:p>
+        </p:txBody>
+      </p:sp>
+      <p:sp>
+        <p:nvSpPr>
+          <p:cNvPr id="3" name="Date Placeholder 2"/>
+          <p:cNvSpPr>
+            <a:spLocks noGrp="1"/>
+          </p:cNvSpPr>
+          <p:nvPr>
+            <p:ph type="dt" idx="1"/>
+          </p:nvPr>
+        </p:nvSpPr>
+        <p:spPr>
+          <a:xfrm>
+            <a:off x="3884613" y="0"/>
+            <a:ext cx="2971800" cy="458788"/>
+          </a:xfrm>
+          <a:prstGeom prst="rect">
+            <a:avLst/>
+          </a:prstGeom>
+        </p:spPr>
+        <p:txBody>
+          <a:bodyPr vert="horz" lIns="91440" tIns="45720" rIns="91440" bIns="45720" rtlCol="0"/>
+          <a:lstStyle>
+            <a:lvl1pPr algn="r">
+              <a:defRPr sz="1200"/>
+            </a:lvl1pPr>
+          </a:lstStyle>
+          <a:p>
+            <a:fld id="{A966AA29-7D2D-4EED-8F8C-88336E607D51}" type="datetimeFigureOut">
+              <a:rPr lang="en-US" smtClean="0"/>
+              <a:t>11/11/2015</a:t>
+            </a:fld>
+            <a:endParaRPr lang="en-US"/>
+          </a:p>
+        </p:txBody>
+      </p:sp>
+      <p:sp>
+        <p:nvSpPr>
+          <p:cNvPr id="4" name="Slide Image Placeholder 3"/>
+          <p:cNvSpPr>
+            <a:spLocks noGrp="1" noRot="1" noChangeAspect="1"/>
+          </p:cNvSpPr>
+          <p:nvPr>
+            <p:ph type="sldImg" idx="2"/>
+          </p:nvPr>
+        </p:nvSpPr>
+        <p:spPr>
+          <a:xfrm>
+            <a:off x="685800" y="1143000"/>
+            <a:ext cx="5486400" cy="3086100"/>
+          </a:xfrm>
+          <a:prstGeom prst="rect">
+            <a:avLst/>
+          </a:prstGeom>
+          <a:noFill/>
+          <a:ln w="12700">
+            <a:solidFill>
+              <a:prstClr val="black"/>
+            </a:solidFill>
+          </a:ln>
+        </p:spPr>
+        <p:txBody>
+          <a:bodyPr vert="horz" lIns="91440" tIns="45720" rIns="91440" bIns="45720" rtlCol="0" anchor="ctr"/>
+          <a:lstStyle/>
+          <a:p>
+            <a:endParaRPr lang="en-US"/>
+          </a:p>
+        </p:txBody>
+      </p:sp>
+      <p:sp>
+        <p:nvSpPr>
+          <p:cNvPr id="5" name="Notes Placeholder 4"/>
+          <p:cNvSpPr>
+            <a:spLocks noGrp="1"/>
+          </p:cNvSpPr>
+          <p:nvPr>
+            <p:ph type="body" sz="quarter" idx="3"/>
+          </p:nvPr>
+        </p:nvSpPr>
+        <p:spPr>
+          <a:xfrm>
+            <a:off x="685800" y="4400550"/>
+            <a:ext cx="5486400" cy="3600450"/>
+          </a:xfrm>
+          <a:prstGeom prst="rect">
+            <a:avLst/>
+          </a:prstGeom>
+        </p:spPr>
+        <p:txBody>
+          <a:bodyPr vert="horz" lIns="91440" tIns="45720" rIns="91440" bIns="45720" rtlCol="0"/>
+          <a:lstStyle/>
+          <a:p>
+            <a:pPr lvl="0"/>
+            <a:r>
+              <a:rPr lang="en-US" smtClean="0"/>
+              <a:t>Click to edit Master text styles</a:t>
+            </a:r>
+          </a:p>
+          <a:p>
+            <a:pPr lvl="1"/>
+            <a:r>
+              <a:rPr lang="en-US" smtClean="0"/>
+              <a:t>Second level</a:t>
+            </a:r>
+          </a:p>
+          <a:p>
+            <a:pPr lvl="2"/>
+            <a:r>
+              <a:rPr lang="en-US" smtClean="0"/>
+              <a:t>Third level</a:t>
+            </a:r>
+          </a:p>
+          <a:p>
+            <a:pPr lvl="3"/>
+            <a:r>
+              <a:rPr lang="en-US" smtClean="0"/>
+              <a:t>Fourth level</a:t>
+            </a:r>
+          </a:p>
+          <a:p>
+            <a:pPr lvl="4"/>
+            <a:r>
+              <a:rPr lang="en-US" smtClean="0"/>
+              <a:t>Fifth level</a:t>
+            </a:r>
+            <a:endParaRPr lang="en-US"/>
+          </a:p>
+        </p:txBody>
+      </p:sp>
+      <p:sp>
+        <p:nvSpPr>
+          <p:cNvPr id="6" name="Footer Placeholder 5"/>
+          <p:cNvSpPr>
+            <a:spLocks noGrp="1"/>
+          </p:cNvSpPr>
+          <p:nvPr>
+            <p:ph type="ftr" sz="quarter" idx="4"/>
+          </p:nvPr>
+        </p:nvSpPr>
+        <p:spPr>
+          <a:xfrm>
+            <a:off x="0" y="8685213"/>
+            <a:ext cx="2971800" cy="458787"/>
+          </a:xfrm>
+          <a:prstGeom prst="rect">
+            <a:avLst/>
+          </a:prstGeom>
+        </p:spPr>
+        <p:txBody>
+          <a:bodyPr vert="horz" lIns="91440" tIns="45720" rIns="91440" bIns="45720" rtlCol="0" anchor="b"/>
+          <a:lstStyle>
+            <a:lvl1pPr algn="l">
+              <a:defRPr sz="1200"/>
+            </a:lvl1pPr>
+          </a:lstStyle>
+          <a:p>
+            <a:endParaRPr lang="en-US"/>
+          </a:p>
+        </p:txBody>
+      </p:sp>
+      <p:sp>
+        <p:nvSpPr>
+          <p:cNvPr id="7" name="Slide Number Placeholder 6"/>
+          <p:cNvSpPr>
+            <a:spLocks noGrp="1"/>
+          </p:cNvSpPr>
+          <p:nvPr>
+            <p:ph type="sldNum" sz="quarter" idx="5"/>
+          </p:nvPr>
+        </p:nvSpPr>
+        <p:spPr>
+          <a:xfrm>
+            <a:off x="3884613" y="8685213"/>
+            <a:ext cx="2971800" cy="458787"/>
+          </a:xfrm>
+          <a:prstGeom prst="rect">
+            <a:avLst/>
+          </a:prstGeom>
+        </p:spPr>
+        <p:txBody>
+          <a:bodyPr vert="horz" lIns="91440" tIns="45720" rIns="91440" bIns="45720" rtlCol="0" anchor="b"/>
+          <a:lstStyle>
+            <a:lvl1pPr algn="r">
+              <a:defRPr sz="1200"/>
+            </a:lvl1pPr>
+          </a:lstStyle>
+          <a:p>
+            <a:fld id="{60A97EE5-8DA5-4479-9414-94FC175359D1}" type="slidenum">
+              <a:rPr lang="en-US" smtClean="0"/>
+              <a:t>‹#›</a:t>
+            </a:fld>
+            <a:endParaRPr lang="en-US"/>
+          </a:p>
+        </p:txBody>
+      </p:sp>
+    </p:spTree>
+    <p:extLst>
+      <p:ext uri="{BB962C8B-B14F-4D97-AF65-F5344CB8AC3E}">
+        <p14:creationId xmlns:p14="http://schemas.microsoft.com/office/powerpoint/2010/main" val="1958572008"/>
+      </p:ext>
+    </p:extLst>
+  </p:cSld>
+  <p:clrMap bg1="lt1" tx1="dk1" bg2="lt2" tx2="dk2" accent1="accent1" accent2="accent2" accent3="accent3" accent4="accent4" accent5="accent5" accent6="accent6" hlink="hlink" folHlink="folHlink"/>
+  <p:notesStyle>
+    <a:lvl1pPr marL="0" algn="l" defTabSz="914400" rtl="0" eaLnBrk="1" latinLnBrk="0" hangingPunct="1">
+      <a:defRPr sz="1200" kern="1200">
+        <a:solidFill>
+          <a:schemeClr val="tx1"/>
+        </a:solidFill>
+        <a:latin typeface="+mn-lt"/>
+        <a:ea typeface="+mn-ea"/>
+        <a:cs typeface="+mn-cs"/>
+      </a:defRPr>
+    </a:lvl1pPr>
+    <a:lvl2pPr marL="457200" algn="l" defTabSz="914400" rtl="0" eaLnBrk="1" latinLnBrk="0" hangingPunct="1">
+      <a:defRPr sz="1200" kern="1200">
+        <a:solidFill>
+          <a:schemeClr val="tx1"/>
+        </a:solidFill>
+        <a:latin typeface="+mn-lt"/>
+        <a:ea typeface="+mn-ea"/>
+        <a:cs typeface="+mn-cs"/>
+      </a:defRPr>
+    </a:lvl2pPr>
+    <a:lvl3pPr marL="914400" algn="l" defTabSz="914400" rtl="0" eaLnBrk="1" latinLnBrk="0" hangingPunct="1">
+      <a:defRPr sz="1200" kern="1200">
+        <a:solidFill>
+          <a:schemeClr val="tx1"/>
+        </a:solidFill>
+        <a:latin typeface="+mn-lt"/>
+        <a:ea typeface="+mn-ea"/>
+        <a:cs typeface="+mn-cs"/>
+      </a:defRPr>
+    </a:lvl3pPr>
+    <a:lvl4pPr marL="1371600" algn="l" defTabSz="914400" rtl="0" eaLnBrk="1" latinLnBrk="0" hangingPunct="1">
+      <a:defRPr sz="1200" kern="1200">
+        <a:solidFill>
+          <a:schemeClr val="tx1"/>
+        </a:solidFill>
+        <a:latin typeface="+mn-lt"/>
+        <a:ea typeface="+mn-ea"/>
+        <a:cs typeface="+mn-cs"/>
+      </a:defRPr>
+    </a:lvl4pPr>
+    <a:lvl5pPr marL="1828800" algn="l" defTabSz="914400" rtl="0" eaLnBrk="1" latinLnBrk="0" hangingPunct="1">
+      <a:defRPr sz="1200" kern="1200">
+        <a:solidFill>
+          <a:schemeClr val="tx1"/>
+        </a:solidFill>
+        <a:latin typeface="+mn-lt"/>
+        <a:ea typeface="+mn-ea"/>
+        <a:cs typeface="+mn-cs"/>
+      </a:defRPr>
+    </a:lvl5pPr>
+    <a:lvl6pPr marL="2286000" algn="l" defTabSz="914400" rtl="0" eaLnBrk="1" latinLnBrk="0" hangingPunct="1">
+      <a:defRPr sz="1200" kern="1200">
+        <a:solidFill>
+          <a:schemeClr val="tx1"/>
+        </a:solidFill>
+        <a:latin typeface="+mn-lt"/>
+        <a:ea typeface="+mn-ea"/>
+        <a:cs typeface="+mn-cs"/>
+      </a:defRPr>
+    </a:lvl6pPr>
+    <a:lvl7pPr marL="2743200" algn="l" defTabSz="914400" rtl="0" eaLnBrk="1" latinLnBrk="0" hangingPunct="1">
+      <a:defRPr sz="1200" kern="1200">
+        <a:solidFill>
+          <a:schemeClr val="tx1"/>
+        </a:solidFill>
+        <a:latin typeface="+mn-lt"/>
+        <a:ea typeface="+mn-ea"/>
+        <a:cs typeface="+mn-cs"/>
+      </a:defRPr>
+    </a:lvl7pPr>
+    <a:lvl8pPr marL="3200400" algn="l" defTabSz="914400" rtl="0" eaLnBrk="1" latinLnBrk="0" hangingPunct="1">
+      <a:defRPr sz="1200" kern="1200">
+        <a:solidFill>
+          <a:schemeClr val="tx1"/>
+        </a:solidFill>
+        <a:latin typeface="+mn-lt"/>
+        <a:ea typeface="+mn-ea"/>
+        <a:cs typeface="+mn-cs"/>
+      </a:defRPr>
+    </a:lvl8pPr>
+    <a:lvl9pPr marL="3657600" algn="l" defTabSz="914400" rtl="0" eaLnBrk="1" latinLnBrk="0" hangingPunct="1">
+      <a:defRPr sz="1200" kern="1200">
+        <a:solidFill>
+          <a:schemeClr val="tx1"/>
+        </a:solidFill>
+        <a:latin typeface="+mn-lt"/>
+        <a:ea typeface="+mn-ea"/>
+        <a:cs typeface="+mn-cs"/>
+      </a:defRPr>
+    </a:lvl9pPr>
+  </p:notesStyle>
+</p:notesMaster>
+</file>
+
+<file path=ppt/notesSlides/notesSlide1.xml><?xml version="1.0" encoding="utf-8"?>
+<p:notes xmlns:a="http://schemas.openxmlformats.org/drawingml/2006/main" xmlns:r="http://schemas.openxmlformats.org/officeDocument/2006/relationships" xmlns:p="http://schemas.openxmlformats.org/presentationml/2006/main">
+  <p:cSld>
+    <p:spTree>
+      <p:nvGrpSpPr>
+        <p:cNvPr id="1" name=""/>
+        <p:cNvGrpSpPr/>
+        <p:nvPr/>
+      </p:nvGrpSpPr>
+      <p:grpSpPr>
+        <a:xfrm>
+          <a:off x="0" y="0"/>
+          <a:ext cx="0" cy="0"/>
+          <a:chOff x="0" y="0"/>
+          <a:chExt cx="0" cy="0"/>
+        </a:xfrm>
+      </p:grpSpPr>
+      <p:sp>
+        <p:nvSpPr>
+          <p:cNvPr id="2" name="Slide Image Placeholder 1"/>
+          <p:cNvSpPr>
+            <a:spLocks noGrp="1" noRot="1" noChangeAspect="1"/>
+          </p:cNvSpPr>
+          <p:nvPr>
+            <p:ph type="sldImg"/>
+          </p:nvPr>
+        </p:nvSpPr>
+        <p:spPr/>
+      </p:sp>
+      <p:sp>
+        <p:nvSpPr>
+          <p:cNvPr id="3" name="Notes Placeholder 2"/>
+          <p:cNvSpPr>
+            <a:spLocks noGrp="1"/>
+          </p:cNvSpPr>
+          <p:nvPr>
+            <p:ph type="body" idx="1"/>
+          </p:nvPr>
+        </p:nvSpPr>
+        <p:spPr/>
+        <p:txBody>
+          <a:bodyPr/>
+          <a:lstStyle/>
+          <a:p>
+            <a:r>
+              <a:rPr lang="en-US" sz="1200" b="0" i="0" kern="1200" dirty="0" smtClean="0">
+                <a:solidFill>
+                  <a:schemeClr val="tx1"/>
+                </a:solidFill>
+                <a:effectLst/>
+                <a:latin typeface="+mn-lt"/>
+                <a:ea typeface="+mn-ea"/>
+                <a:cs typeface="+mn-cs"/>
+              </a:rPr>
+              <a:t>The original meaning of 'portable' was 'costs less to convert to a new platform than it does to rewrite for the new platform'. As languages evolved and vendor lock-ins reduced, it has since morphed to mean several things including binary compatibility and source-code compatibility.</a:t>
+            </a:r>
+          </a:p>
+          <a:p>
+            <a:endParaRPr lang="en-US" sz="1200" b="0" i="0" kern="1200" dirty="0" smtClean="0">
+              <a:solidFill>
+                <a:schemeClr val="tx1"/>
+              </a:solidFill>
+              <a:effectLst/>
+              <a:latin typeface="+mn-lt"/>
+              <a:ea typeface="+mn-ea"/>
+              <a:cs typeface="+mn-cs"/>
+            </a:endParaRPr>
+          </a:p>
+          <a:p>
+            <a:r>
+              <a:rPr lang="en-US" sz="1200" b="0" i="0" kern="1200" dirty="0" smtClean="0">
+                <a:solidFill>
+                  <a:schemeClr val="tx1"/>
+                </a:solidFill>
+                <a:effectLst/>
+                <a:latin typeface="+mn-lt"/>
+                <a:ea typeface="+mn-ea"/>
+                <a:cs typeface="+mn-cs"/>
+              </a:rPr>
+              <a:t>'Platform-independent' means that there is nothing in the system or its specification that is inherently bound to a single platform</a:t>
+            </a:r>
+          </a:p>
+          <a:p>
+            <a:endParaRPr lang="en-US" dirty="0"/>
+          </a:p>
+        </p:txBody>
+      </p:sp>
+      <p:sp>
+        <p:nvSpPr>
+          <p:cNvPr id="4" name="Slide Number Placeholder 3"/>
+          <p:cNvSpPr>
+            <a:spLocks noGrp="1"/>
+          </p:cNvSpPr>
+          <p:nvPr>
+            <p:ph type="sldNum" sz="quarter" idx="10"/>
+          </p:nvPr>
+        </p:nvSpPr>
+        <p:spPr/>
+        <p:txBody>
+          <a:bodyPr/>
+          <a:lstStyle/>
+          <a:p>
+            <a:fld id="{60A97EE5-8DA5-4479-9414-94FC175359D1}" type="slidenum">
+              <a:rPr lang="en-US" smtClean="0"/>
+              <a:t>4</a:t>
+            </a:fld>
+            <a:endParaRPr lang="en-US"/>
+          </a:p>
+        </p:txBody>
+      </p:sp>
+    </p:spTree>
+    <p:extLst>
+      <p:ext uri="{BB962C8B-B14F-4D97-AF65-F5344CB8AC3E}">
+        <p14:creationId xmlns:p14="http://schemas.microsoft.com/office/powerpoint/2010/main" val="503776750"/>
+      </p:ext>
+    </p:extLst>
+  </p:cSld>
+  <p:clrMapOvr>
+    <a:masterClrMapping/>
+  </p:clrMapOvr>
+</p:notes>
 </file>
 
 <file path=ppt/slideLayouts/slideLayout1.xml><?xml version="1.0" encoding="utf-8"?>
@@ -246,7 +729,7 @@
           <a:p>
             <a:fld id="{5C2F8792-73B1-4ADA-BAF0-489753879B7C}" type="datetimeFigureOut">
               <a:rPr lang="en-US" smtClean="0"/>
-              <a:t>11/10/2015</a:t>
+              <a:t>11/11/2015</a:t>
             </a:fld>
             <a:endParaRPr lang="en-US" dirty="0"/>
           </a:p>
@@ -416,7 +899,7 @@
           <a:p>
             <a:fld id="{5C2F8792-73B1-4ADA-BAF0-489753879B7C}" type="datetimeFigureOut">
               <a:rPr lang="en-US" smtClean="0"/>
-              <a:t>11/10/2015</a:t>
+              <a:t>11/11/2015</a:t>
             </a:fld>
             <a:endParaRPr lang="en-US" dirty="0"/>
           </a:p>
@@ -596,7 +1079,7 @@
           <a:p>
             <a:fld id="{5C2F8792-73B1-4ADA-BAF0-489753879B7C}" type="datetimeFigureOut">
               <a:rPr lang="en-US" smtClean="0"/>
-              <a:t>11/10/2015</a:t>
+              <a:t>11/11/2015</a:t>
             </a:fld>
             <a:endParaRPr lang="en-US" dirty="0"/>
           </a:p>
@@ -766,7 +1249,7 @@
           <a:p>
             <a:fld id="{5C2F8792-73B1-4ADA-BAF0-489753879B7C}" type="datetimeFigureOut">
               <a:rPr lang="en-US" smtClean="0"/>
-              <a:t>11/10/2015</a:t>
+              <a:t>11/11/2015</a:t>
             </a:fld>
             <a:endParaRPr lang="en-US" dirty="0"/>
           </a:p>
@@ -1012,7 +1495,7 @@
           <a:p>
             <a:fld id="{5C2F8792-73B1-4ADA-BAF0-489753879B7C}" type="datetimeFigureOut">
               <a:rPr lang="en-US" smtClean="0"/>
-              <a:t>11/10/2015</a:t>
+              <a:t>11/11/2015</a:t>
             </a:fld>
             <a:endParaRPr lang="en-US" dirty="0"/>
           </a:p>
@@ -1244,7 +1727,7 @@
           <a:p>
             <a:fld id="{5C2F8792-73B1-4ADA-BAF0-489753879B7C}" type="datetimeFigureOut">
               <a:rPr lang="en-US" smtClean="0"/>
-              <a:t>11/10/2015</a:t>
+              <a:t>11/11/2015</a:t>
             </a:fld>
             <a:endParaRPr lang="en-US" dirty="0"/>
           </a:p>
@@ -1611,7 +2094,7 @@
           <a:p>
             <a:fld id="{5C2F8792-73B1-4ADA-BAF0-489753879B7C}" type="datetimeFigureOut">
               <a:rPr lang="en-US" smtClean="0"/>
-              <a:t>11/10/2015</a:t>
+              <a:t>11/11/2015</a:t>
             </a:fld>
             <a:endParaRPr lang="en-US" dirty="0"/>
           </a:p>
@@ -1729,7 +2212,7 @@
           <a:p>
             <a:fld id="{5C2F8792-73B1-4ADA-BAF0-489753879B7C}" type="datetimeFigureOut">
               <a:rPr lang="en-US" smtClean="0"/>
-              <a:t>11/10/2015</a:t>
+              <a:t>11/11/2015</a:t>
             </a:fld>
             <a:endParaRPr lang="en-US" dirty="0"/>
           </a:p>
@@ -1824,7 +2307,7 @@
           <a:p>
             <a:fld id="{5C2F8792-73B1-4ADA-BAF0-489753879B7C}" type="datetimeFigureOut">
               <a:rPr lang="en-US" smtClean="0"/>
-              <a:t>11/10/2015</a:t>
+              <a:t>11/11/2015</a:t>
             </a:fld>
             <a:endParaRPr lang="en-US" dirty="0"/>
           </a:p>
@@ -2101,7 +2584,7 @@
           <a:p>
             <a:fld id="{5C2F8792-73B1-4ADA-BAF0-489753879B7C}" type="datetimeFigureOut">
               <a:rPr lang="en-US" smtClean="0"/>
-              <a:t>11/10/2015</a:t>
+              <a:t>11/11/2015</a:t>
             </a:fld>
             <a:endParaRPr lang="en-US" dirty="0"/>
           </a:p>
@@ -2354,7 +2837,7 @@
           <a:p>
             <a:fld id="{5C2F8792-73B1-4ADA-BAF0-489753879B7C}" type="datetimeFigureOut">
               <a:rPr lang="en-US" smtClean="0"/>
-              <a:t>11/10/2015</a:t>
+              <a:t>11/11/2015</a:t>
             </a:fld>
             <a:endParaRPr lang="en-US" dirty="0"/>
           </a:p>
@@ -2567,7 +3050,7 @@
           <a:p>
             <a:fld id="{5C2F8792-73B1-4ADA-BAF0-489753879B7C}" type="datetimeFigureOut">
               <a:rPr lang="en-US" smtClean="0"/>
-              <a:t>11/10/2015</a:t>
+              <a:t>11/11/2015</a:t>
             </a:fld>
             <a:endParaRPr lang="en-US" dirty="0"/>
           </a:p>
@@ -3144,6 +3627,236 @@
 </p:sld>
 </file>
 
+<file path=ppt/slides/slide10.xml><?xml version="1.0" encoding="utf-8"?>
+<p:sld xmlns:a="http://schemas.openxmlformats.org/drawingml/2006/main" xmlns:r="http://schemas.openxmlformats.org/officeDocument/2006/relationships" xmlns:p="http://schemas.openxmlformats.org/presentationml/2006/main">
+  <p:cSld>
+    <p:spTree>
+      <p:nvGrpSpPr>
+        <p:cNvPr id="1" name=""/>
+        <p:cNvGrpSpPr/>
+        <p:nvPr/>
+      </p:nvGrpSpPr>
+      <p:grpSpPr>
+        <a:xfrm>
+          <a:off x="0" y="0"/>
+          <a:ext cx="0" cy="0"/>
+          <a:chOff x="0" y="0"/>
+          <a:chExt cx="0" cy="0"/>
+        </a:xfrm>
+      </p:grpSpPr>
+      <p:sp>
+        <p:nvSpPr>
+          <p:cNvPr id="2" name="Title 1"/>
+          <p:cNvSpPr>
+            <a:spLocks noGrp="1"/>
+          </p:cNvSpPr>
+          <p:nvPr>
+            <p:ph type="title"/>
+          </p:nvPr>
+        </p:nvSpPr>
+        <p:spPr/>
+        <p:txBody>
+          <a:bodyPr/>
+          <a:lstStyle/>
+          <a:p>
+            <a:r>
+              <a:rPr lang="en-US" dirty="0" smtClean="0">
+                <a:solidFill>
+                  <a:srgbClr val="FF0000"/>
+                </a:solidFill>
+              </a:rPr>
+              <a:t>Repository Page</a:t>
+            </a:r>
+            <a:endParaRPr lang="en-US" dirty="0">
+              <a:solidFill>
+                <a:srgbClr val="FF0000"/>
+              </a:solidFill>
+            </a:endParaRPr>
+          </a:p>
+        </p:txBody>
+      </p:sp>
+      <p:pic>
+        <p:nvPicPr>
+          <p:cNvPr id="5" name="Picture 4"/>
+          <p:cNvPicPr>
+            <a:picLocks noChangeAspect="1"/>
+          </p:cNvPicPr>
+          <p:nvPr/>
+        </p:nvPicPr>
+        <p:blipFill>
+          <a:blip r:embed="rId2"/>
+          <a:stretch>
+            <a:fillRect/>
+          </a:stretch>
+        </p:blipFill>
+        <p:spPr>
+          <a:xfrm>
+            <a:off x="359792" y="2087563"/>
+            <a:ext cx="8478276" cy="4089521"/>
+          </a:xfrm>
+          <a:prstGeom prst="rect">
+            <a:avLst/>
+          </a:prstGeom>
+          <a:ln>
+            <a:noFill/>
+          </a:ln>
+          <a:effectLst>
+            <a:outerShdw blurRad="292100" dist="139700" dir="2700000" algn="tl" rotWithShape="0">
+              <a:srgbClr val="333333">
+                <a:alpha val="65000"/>
+              </a:srgbClr>
+            </a:outerShdw>
+          </a:effectLst>
+        </p:spPr>
+      </p:pic>
+      <p:pic>
+        <p:nvPicPr>
+          <p:cNvPr id="4" name="Content Placeholder 3"/>
+          <p:cNvPicPr>
+            <a:picLocks noGrp="1" noChangeAspect="1"/>
+          </p:cNvPicPr>
+          <p:nvPr>
+            <p:ph idx="1"/>
+          </p:nvPr>
+        </p:nvPicPr>
+        <p:blipFill>
+          <a:blip r:embed="rId3"/>
+          <a:stretch>
+            <a:fillRect/>
+          </a:stretch>
+        </p:blipFill>
+        <p:spPr>
+          <a:xfrm>
+            <a:off x="5174062" y="762000"/>
+            <a:ext cx="6928895" cy="4190619"/>
+          </a:xfrm>
+          <a:prstGeom prst="rect">
+            <a:avLst/>
+          </a:prstGeom>
+          <a:ln>
+            <a:noFill/>
+          </a:ln>
+          <a:effectLst>
+            <a:outerShdw blurRad="292100" dist="139700" dir="2700000" algn="tl" rotWithShape="0">
+              <a:srgbClr val="333333">
+                <a:alpha val="65000"/>
+              </a:srgbClr>
+            </a:outerShdw>
+          </a:effectLst>
+        </p:spPr>
+      </p:pic>
+    </p:spTree>
+    <p:extLst>
+      <p:ext uri="{BB962C8B-B14F-4D97-AF65-F5344CB8AC3E}">
+        <p14:creationId xmlns:p14="http://schemas.microsoft.com/office/powerpoint/2010/main" val="366583315"/>
+      </p:ext>
+    </p:extLst>
+  </p:cSld>
+  <p:clrMapOvr>
+    <a:masterClrMapping/>
+  </p:clrMapOvr>
+  <p:timing>
+    <p:tnLst>
+      <p:par>
+        <p:cTn id="1" dur="indefinite" restart="never" nodeType="tmRoot"/>
+      </p:par>
+    </p:tnLst>
+  </p:timing>
+</p:sld>
+</file>
+
+<file path=ppt/slides/slide11.xml><?xml version="1.0" encoding="utf-8"?>
+<p:sld xmlns:a="http://schemas.openxmlformats.org/drawingml/2006/main" xmlns:r="http://schemas.openxmlformats.org/officeDocument/2006/relationships" xmlns:p="http://schemas.openxmlformats.org/presentationml/2006/main">
+  <p:cSld>
+    <p:spTree>
+      <p:nvGrpSpPr>
+        <p:cNvPr id="1" name=""/>
+        <p:cNvGrpSpPr/>
+        <p:nvPr/>
+      </p:nvGrpSpPr>
+      <p:grpSpPr>
+        <a:xfrm>
+          <a:off x="0" y="0"/>
+          <a:ext cx="0" cy="0"/>
+          <a:chOff x="0" y="0"/>
+          <a:chExt cx="0" cy="0"/>
+        </a:xfrm>
+      </p:grpSpPr>
+      <p:pic>
+        <p:nvPicPr>
+          <p:cNvPr id="5" name="Picture 4"/>
+          <p:cNvPicPr>
+            <a:picLocks noChangeAspect="1"/>
+          </p:cNvPicPr>
+          <p:nvPr/>
+        </p:nvPicPr>
+        <p:blipFill>
+          <a:blip r:embed="rId2"/>
+          <a:stretch>
+            <a:fillRect/>
+          </a:stretch>
+        </p:blipFill>
+        <p:spPr>
+          <a:xfrm>
+            <a:off x="2779690" y="1334770"/>
+            <a:ext cx="6632620" cy="5286715"/>
+          </a:xfrm>
+          <a:prstGeom prst="rect">
+            <a:avLst/>
+          </a:prstGeom>
+        </p:spPr>
+      </p:pic>
+      <p:sp>
+        <p:nvSpPr>
+          <p:cNvPr id="4" name="Title 3"/>
+          <p:cNvSpPr>
+            <a:spLocks noGrp="1"/>
+          </p:cNvSpPr>
+          <p:nvPr>
+            <p:ph type="title"/>
+          </p:nvPr>
+        </p:nvSpPr>
+        <p:spPr/>
+        <p:txBody>
+          <a:bodyPr/>
+          <a:lstStyle/>
+          <a:p>
+            <a:r>
+              <a:rPr lang="en-US" b="1" dirty="0" smtClean="0">
+                <a:solidFill>
+                  <a:srgbClr val="FF0000"/>
+                </a:solidFill>
+              </a:rPr>
+              <a:t>Java Keywords</a:t>
+            </a:r>
+            <a:endParaRPr lang="en-US" b="1" dirty="0">
+              <a:solidFill>
+                <a:srgbClr val="FF0000"/>
+              </a:solidFill>
+            </a:endParaRPr>
+          </a:p>
+        </p:txBody>
+      </p:sp>
+    </p:spTree>
+    <p:extLst>
+      <p:ext uri="{BB962C8B-B14F-4D97-AF65-F5344CB8AC3E}">
+        <p14:creationId xmlns:p14="http://schemas.microsoft.com/office/powerpoint/2010/main" val="1138825706"/>
+      </p:ext>
+    </p:extLst>
+  </p:cSld>
+  <p:clrMapOvr>
+    <a:masterClrMapping/>
+  </p:clrMapOvr>
+  <p:timing>
+    <p:tnLst>
+      <p:par>
+        <p:cTn id="1" dur="indefinite" restart="never" nodeType="tmRoot"/>
+      </p:par>
+    </p:tnLst>
+  </p:timing>
+</p:sld>
+</file>
+
 <file path=ppt/slides/slide2.xml><?xml version="1.0" encoding="utf-8"?>
 <p:sld xmlns:a="http://schemas.openxmlformats.org/drawingml/2006/main" xmlns:r="http://schemas.openxmlformats.org/officeDocument/2006/relationships" xmlns:p="http://schemas.openxmlformats.org/presentationml/2006/main">
   <p:cSld>
@@ -3718,7 +4431,31 @@
             </a:r>
             <a:r>
               <a:rPr lang="en-US" dirty="0"/>
-              <a:t>which was initiated by James Gosling and released in 1995 as core component of Sun Microsystems' Java platform (Java 1.0 [J2SE</a:t>
+              <a:t>which was initiated by </a:t>
+            </a:r>
+            <a:r>
+              <a:rPr lang="en-US" dirty="0">
+                <a:solidFill>
+                  <a:schemeClr val="accent1"/>
+                </a:solidFill>
+              </a:rPr>
+              <a:t>James Gosling</a:t>
+            </a:r>
+            <a:r>
+              <a:rPr lang="en-US" dirty="0"/>
+              <a:t> and released in </a:t>
+            </a:r>
+            <a:r>
+              <a:rPr lang="en-US" dirty="0">
+                <a:solidFill>
+                  <a:schemeClr val="accent1"/>
+                </a:solidFill>
+              </a:rPr>
+              <a:t>1995</a:t>
+            </a:r>
+            <a:r>
+              <a:rPr lang="en-US" dirty="0"/>
+              <a:t> as core component of Sun Microsystems' Java platform (Java 1.0 [J2SE</a:t>
             </a:r>
             <a:r>
               <a:rPr lang="en-US" dirty="0" smtClean="0"/>
@@ -3780,7 +4517,11 @@
             </a:pPr>
             <a:r>
               <a:rPr lang="en-US" dirty="0" smtClean="0"/>
-              <a:t>JSE Standard Edition </a:t>
+              <a:t>J2SE </a:t>
+            </a:r>
+            <a:r>
+              <a:rPr lang="en-US" dirty="0" smtClean="0"/>
+              <a:t>Standard Edition </a:t>
             </a:r>
             <a:r>
               <a:rPr lang="en-US" dirty="0"/>
@@ -3973,7 +4714,7 @@
           <a:p>
             <a:r>
               <a:rPr lang="en-US" dirty="0" smtClean="0"/>
-              <a:t>Portable (run on any architecture)</a:t>
+              <a:t>Portable </a:t>
             </a:r>
           </a:p>
           <a:p>
@@ -3999,7 +4740,7 @@
           <p:nvPr/>
         </p:nvPicPr>
         <p:blipFill>
-          <a:blip r:embed="rId2">
+          <a:blip r:embed="rId3">
             <a:extLst>
               <a:ext uri="{28A0092B-C50C-407E-A947-70E740481C1C}">
                 <a14:useLocalDpi xmlns:a14="http://schemas.microsoft.com/office/drawing/2010/main" val="0"/>
@@ -4013,7 +4754,7 @@
         </p:blipFill>
         <p:spPr bwMode="auto">
           <a:xfrm>
-            <a:off x="6464993" y="1825625"/>
+            <a:off x="6464993" y="1586706"/>
             <a:ext cx="5229225" cy="4829176"/>
           </a:xfrm>
           <a:prstGeom prst="rect">
@@ -4052,6 +4793,412 @@
 </file>
 
 <file path=ppt/slides/slide5.xml><?xml version="1.0" encoding="utf-8"?>
+<p:sld xmlns:a="http://schemas.openxmlformats.org/drawingml/2006/main" xmlns:r="http://schemas.openxmlformats.org/officeDocument/2006/relationships" xmlns:p="http://schemas.openxmlformats.org/presentationml/2006/main">
+  <p:cSld>
+    <p:spTree>
+      <p:nvGrpSpPr>
+        <p:cNvPr id="1" name=""/>
+        <p:cNvGrpSpPr/>
+        <p:nvPr/>
+      </p:nvGrpSpPr>
+      <p:grpSpPr>
+        <a:xfrm>
+          <a:off x="0" y="0"/>
+          <a:ext cx="0" cy="0"/>
+          <a:chOff x="0" y="0"/>
+          <a:chExt cx="0" cy="0"/>
+        </a:xfrm>
+      </p:grpSpPr>
+      <p:sp>
+        <p:nvSpPr>
+          <p:cNvPr id="2" name="Title 1"/>
+          <p:cNvSpPr>
+            <a:spLocks noGrp="1"/>
+          </p:cNvSpPr>
+          <p:nvPr>
+            <p:ph type="title"/>
+          </p:nvPr>
+        </p:nvSpPr>
+        <p:spPr/>
+        <p:txBody>
+          <a:bodyPr/>
+          <a:lstStyle/>
+          <a:p>
+            <a:r>
+              <a:rPr lang="en-US" dirty="0"/>
+              <a:t>Object Oriented Programming </a:t>
+            </a:r>
+            <a:r>
+              <a:rPr lang="en-US" b="1" dirty="0">
+                <a:solidFill>
+                  <a:schemeClr val="accent1">
+                    <a:lumMod val="75000"/>
+                  </a:schemeClr>
+                </a:solidFill>
+              </a:rPr>
+              <a:t>(OOP)</a:t>
+            </a:r>
+          </a:p>
+        </p:txBody>
+      </p:sp>
+      <p:sp>
+        <p:nvSpPr>
+          <p:cNvPr id="3" name="Content Placeholder 2"/>
+          <p:cNvSpPr>
+            <a:spLocks noGrp="1"/>
+          </p:cNvSpPr>
+          <p:nvPr>
+            <p:ph idx="1"/>
+          </p:nvPr>
+        </p:nvSpPr>
+        <p:spPr>
+          <a:xfrm>
+            <a:off x="268855" y="1604334"/>
+            <a:ext cx="11721861" cy="4351338"/>
+          </a:xfrm>
+        </p:spPr>
+        <p:txBody>
+          <a:bodyPr/>
+          <a:lstStyle/>
+          <a:p>
+            <a:r>
+              <a:rPr lang="en-US" dirty="0" smtClean="0"/>
+              <a:t>OOP is a software design philosophy.</a:t>
+            </a:r>
+            <a:endParaRPr lang="en-US" dirty="0"/>
+          </a:p>
+          <a:p>
+            <a:pPr algn="just"/>
+            <a:r>
+              <a:rPr lang="en-US" dirty="0"/>
+              <a:t>A </a:t>
+            </a:r>
+            <a:r>
+              <a:rPr lang="en-US" i="1" dirty="0">
+                <a:solidFill>
+                  <a:schemeClr val="accent2"/>
+                </a:solidFill>
+              </a:rPr>
+              <a:t>class</a:t>
+            </a:r>
+            <a:r>
+              <a:rPr lang="en-US" dirty="0"/>
+              <a:t> is simply a representation of a type of </a:t>
+            </a:r>
+            <a:r>
+              <a:rPr lang="en-US" i="1" dirty="0">
+                <a:solidFill>
+                  <a:schemeClr val="accent2"/>
+                </a:solidFill>
+              </a:rPr>
+              <a:t>object</a:t>
+            </a:r>
+            <a:r>
+              <a:rPr lang="en-US" dirty="0"/>
+              <a:t>. It is the blueprint, or plan, or template, that describes the details of an </a:t>
+            </a:r>
+            <a:r>
+              <a:rPr lang="en-US" i="1" dirty="0">
+                <a:solidFill>
+                  <a:schemeClr val="accent2"/>
+                </a:solidFill>
+              </a:rPr>
+              <a:t>object</a:t>
+            </a:r>
+            <a:r>
+              <a:rPr lang="en-US" dirty="0"/>
+              <a:t>. A class is the </a:t>
+            </a:r>
+            <a:r>
+              <a:rPr lang="en-US" dirty="0">
+                <a:solidFill>
+                  <a:schemeClr val="accent2"/>
+                </a:solidFill>
+              </a:rPr>
+              <a:t>blueprint</a:t>
+            </a:r>
+            <a:r>
+              <a:rPr lang="en-US" dirty="0"/>
+              <a:t> from which the individual objects are created. </a:t>
+            </a:r>
+            <a:r>
+              <a:rPr lang="en-US" i="1" dirty="0">
+                <a:solidFill>
+                  <a:schemeClr val="accent2"/>
+                </a:solidFill>
+              </a:rPr>
+              <a:t>Class</a:t>
+            </a:r>
+            <a:r>
+              <a:rPr lang="en-US" dirty="0"/>
+              <a:t> is composed of three things: a name, attributes, and operations.</a:t>
+            </a:r>
+            <a:endParaRPr lang="en-US" dirty="0"/>
+          </a:p>
+        </p:txBody>
+      </p:sp>
+      <p:sp>
+        <p:nvSpPr>
+          <p:cNvPr id="4" name="Rectangle 3"/>
+          <p:cNvSpPr/>
+          <p:nvPr/>
+        </p:nvSpPr>
+        <p:spPr>
+          <a:xfrm>
+            <a:off x="2313319" y="4040757"/>
+            <a:ext cx="6175074" cy="2665562"/>
+          </a:xfrm>
+          <a:prstGeom prst="rect">
+            <a:avLst/>
+          </a:prstGeom>
+        </p:spPr>
+        <p:style>
+          <a:lnRef idx="2">
+            <a:schemeClr val="accent2"/>
+          </a:lnRef>
+          <a:fillRef idx="1">
+            <a:schemeClr val="lt1"/>
+          </a:fillRef>
+          <a:effectRef idx="0">
+            <a:schemeClr val="accent2"/>
+          </a:effectRef>
+          <a:fontRef idx="minor">
+            <a:schemeClr val="dk1"/>
+          </a:fontRef>
+        </p:style>
+        <p:txBody>
+          <a:bodyPr rtlCol="0" anchor="ctr"/>
+          <a:lstStyle/>
+          <a:p>
+            <a:pPr algn="r"/>
+            <a:r>
+              <a:rPr lang="en-US" sz="4800" b="1" dirty="0" smtClean="0"/>
+              <a:t>CLASS</a:t>
+            </a:r>
+            <a:endParaRPr lang="en-US" sz="4800" b="1" dirty="0"/>
+          </a:p>
+        </p:txBody>
+      </p:sp>
+      <p:pic>
+        <p:nvPicPr>
+          <p:cNvPr id="1028" name="Picture 4" descr="http://www.teachitza.com/delphi/object.gif"/>
+          <p:cNvPicPr>
+            <a:picLocks noChangeAspect="1" noChangeArrowheads="1"/>
+          </p:cNvPicPr>
+          <p:nvPr/>
+        </p:nvPicPr>
+        <p:blipFill>
+          <a:blip r:embed="rId2">
+            <a:extLst>
+              <a:ext uri="{28A0092B-C50C-407E-A947-70E740481C1C}">
+                <a14:useLocalDpi xmlns:a14="http://schemas.microsoft.com/office/drawing/2010/main" val="0"/>
+              </a:ext>
+            </a:extLst>
+          </a:blip>
+          <a:srcRect/>
+          <a:stretch>
+            <a:fillRect/>
+          </a:stretch>
+        </p:blipFill>
+        <p:spPr bwMode="auto">
+          <a:xfrm>
+            <a:off x="2470929" y="4192438"/>
+            <a:ext cx="4181475" cy="2362200"/>
+          </a:xfrm>
+          <a:prstGeom prst="rect">
+            <a:avLst/>
+          </a:prstGeom>
+          <a:noFill/>
+          <a:extLst>
+            <a:ext uri="{909E8E84-426E-40DD-AFC4-6F175D3DCCD1}">
+              <a14:hiddenFill xmlns:a14="http://schemas.microsoft.com/office/drawing/2010/main">
+                <a:solidFill>
+                  <a:srgbClr val="FFFFFF"/>
+                </a:solidFill>
+              </a14:hiddenFill>
+            </a:ext>
+          </a:extLst>
+        </p:spPr>
+      </p:pic>
+    </p:spTree>
+    <p:extLst>
+      <p:ext uri="{BB962C8B-B14F-4D97-AF65-F5344CB8AC3E}">
+        <p14:creationId xmlns:p14="http://schemas.microsoft.com/office/powerpoint/2010/main" val="1857384431"/>
+      </p:ext>
+    </p:extLst>
+  </p:cSld>
+  <p:clrMapOvr>
+    <a:masterClrMapping/>
+  </p:clrMapOvr>
+  <p:timing>
+    <p:tnLst>
+      <p:par>
+        <p:cTn id="1" dur="indefinite" restart="never" nodeType="tmRoot"/>
+      </p:par>
+    </p:tnLst>
+  </p:timing>
+</p:sld>
+</file>
+
+<file path=ppt/slides/slide6.xml><?xml version="1.0" encoding="utf-8"?>
+<p:sld xmlns:a="http://schemas.openxmlformats.org/drawingml/2006/main" xmlns:r="http://schemas.openxmlformats.org/officeDocument/2006/relationships" xmlns:p="http://schemas.openxmlformats.org/presentationml/2006/main">
+  <p:cSld>
+    <p:spTree>
+      <p:nvGrpSpPr>
+        <p:cNvPr id="1" name=""/>
+        <p:cNvGrpSpPr/>
+        <p:nvPr/>
+      </p:nvGrpSpPr>
+      <p:grpSpPr>
+        <a:xfrm>
+          <a:off x="0" y="0"/>
+          <a:ext cx="0" cy="0"/>
+          <a:chOff x="0" y="0"/>
+          <a:chExt cx="0" cy="0"/>
+        </a:xfrm>
+      </p:grpSpPr>
+      <p:pic>
+        <p:nvPicPr>
+          <p:cNvPr id="2050" name="Picture 2" descr="http://phpenthusiast.com/theme/assets/images/articles/classes_and_objects.jpg"/>
+          <p:cNvPicPr>
+            <a:picLocks noGrp="1" noChangeAspect="1" noChangeArrowheads="1"/>
+          </p:cNvPicPr>
+          <p:nvPr>
+            <p:ph idx="1"/>
+          </p:nvPr>
+        </p:nvPicPr>
+        <p:blipFill>
+          <a:blip r:embed="rId2">
+            <a:extLst>
+              <a:ext uri="{28A0092B-C50C-407E-A947-70E740481C1C}">
+                <a14:useLocalDpi xmlns:a14="http://schemas.microsoft.com/office/drawing/2010/main" val="0"/>
+              </a:ext>
+            </a:extLst>
+          </a:blip>
+          <a:srcRect/>
+          <a:stretch>
+            <a:fillRect/>
+          </a:stretch>
+        </p:blipFill>
+        <p:spPr bwMode="auto">
+          <a:xfrm>
+            <a:off x="6124754" y="1579113"/>
+            <a:ext cx="5530280" cy="4373735"/>
+          </a:xfrm>
+          <a:prstGeom prst="rect">
+            <a:avLst/>
+          </a:prstGeom>
+          <a:noFill/>
+          <a:extLst>
+            <a:ext uri="{909E8E84-426E-40DD-AFC4-6F175D3DCCD1}">
+              <a14:hiddenFill xmlns:a14="http://schemas.microsoft.com/office/drawing/2010/main">
+                <a:solidFill>
+                  <a:srgbClr val="FFFFFF"/>
+                </a:solidFill>
+              </a14:hiddenFill>
+            </a:ext>
+          </a:extLst>
+        </p:spPr>
+      </p:pic>
+      <p:pic>
+        <p:nvPicPr>
+          <p:cNvPr id="2052" name="Picture 4" descr="CPT-OOP-objects and classes - attmeth.svg"/>
+          <p:cNvPicPr>
+            <a:picLocks noChangeAspect="1" noChangeArrowheads="1"/>
+          </p:cNvPicPr>
+          <p:nvPr/>
+        </p:nvPicPr>
+        <p:blipFill>
+          <a:blip r:embed="rId3">
+            <a:extLst>
+              <a:ext uri="{28A0092B-C50C-407E-A947-70E740481C1C}">
+                <a14:useLocalDpi xmlns:a14="http://schemas.microsoft.com/office/drawing/2010/main" val="0"/>
+              </a:ext>
+            </a:extLst>
+          </a:blip>
+          <a:srcRect/>
+          <a:stretch>
+            <a:fillRect/>
+          </a:stretch>
+        </p:blipFill>
+        <p:spPr bwMode="auto">
+          <a:xfrm>
+            <a:off x="586895" y="2017106"/>
+            <a:ext cx="4940262" cy="3935742"/>
+          </a:xfrm>
+          <a:prstGeom prst="rect">
+            <a:avLst/>
+          </a:prstGeom>
+          <a:noFill/>
+          <a:extLst>
+            <a:ext uri="{909E8E84-426E-40DD-AFC4-6F175D3DCCD1}">
+              <a14:hiddenFill xmlns:a14="http://schemas.microsoft.com/office/drawing/2010/main">
+                <a:solidFill>
+                  <a:srgbClr val="FFFFFF"/>
+                </a:solidFill>
+              </a14:hiddenFill>
+            </a:ext>
+          </a:extLst>
+        </p:spPr>
+      </p:pic>
+      <p:sp>
+        <p:nvSpPr>
+          <p:cNvPr id="4" name="Rectangle 3"/>
+          <p:cNvSpPr/>
+          <p:nvPr/>
+        </p:nvSpPr>
+        <p:spPr>
+          <a:xfrm>
+            <a:off x="816755" y="345859"/>
+            <a:ext cx="1992853" cy="707886"/>
+          </a:xfrm>
+          <a:prstGeom prst="rect">
+            <a:avLst/>
+          </a:prstGeom>
+        </p:spPr>
+        <p:txBody>
+          <a:bodyPr wrap="none">
+            <a:spAutoFit/>
+          </a:bodyPr>
+          <a:lstStyle/>
+          <a:p>
+            <a:r>
+              <a:rPr lang="en-US" sz="4000" b="1" dirty="0" smtClean="0">
+                <a:solidFill>
+                  <a:schemeClr val="accent2"/>
+                </a:solidFill>
+              </a:rPr>
+              <a:t>Example</a:t>
+            </a:r>
+            <a:endParaRPr lang="en-US" sz="4000" b="1" dirty="0">
+              <a:solidFill>
+                <a:schemeClr val="accent2"/>
+              </a:solidFill>
+            </a:endParaRPr>
+          </a:p>
+        </p:txBody>
+      </p:sp>
+    </p:spTree>
+    <p:extLst>
+      <p:ext uri="{BB962C8B-B14F-4D97-AF65-F5344CB8AC3E}">
+        <p14:creationId xmlns:p14="http://schemas.microsoft.com/office/powerpoint/2010/main" val="4104745331"/>
+      </p:ext>
+    </p:extLst>
+  </p:cSld>
+  <p:clrMapOvr>
+    <a:masterClrMapping/>
+  </p:clrMapOvr>
+  <p:timing>
+    <p:tnLst>
+      <p:par>
+        <p:cTn id="1" dur="indefinite" restart="never" nodeType="tmRoot"/>
+      </p:par>
+    </p:tnLst>
+  </p:timing>
+</p:sld>
+</file>
+
+<file path=ppt/slides/slide7.xml><?xml version="1.0" encoding="utf-8"?>
 <p:sld xmlns:a="http://schemas.openxmlformats.org/drawingml/2006/main" xmlns:r="http://schemas.openxmlformats.org/officeDocument/2006/relationships" xmlns:p="http://schemas.openxmlformats.org/presentationml/2006/main">
   <p:cSld>
     <p:spTree>
@@ -4612,7 +5759,7 @@
 </p:sld>
 </file>
 
-<file path=ppt/slides/slide6.xml><?xml version="1.0" encoding="utf-8"?>
+<file path=ppt/slides/slide8.xml><?xml version="1.0" encoding="utf-8"?>
 <p:sld xmlns:a="http://schemas.openxmlformats.org/drawingml/2006/main" xmlns:r="http://schemas.openxmlformats.org/officeDocument/2006/relationships" xmlns:p="http://schemas.openxmlformats.org/presentationml/2006/main">
   <p:cSld>
     <p:spTree>
@@ -4679,371 +5826,6 @@
 </p:sld>
 </file>
 
-<file path=ppt/slides/slide7.xml><?xml version="1.0" encoding="utf-8"?>
-<p:sld xmlns:a="http://schemas.openxmlformats.org/drawingml/2006/main" xmlns:r="http://schemas.openxmlformats.org/officeDocument/2006/relationships" xmlns:p="http://schemas.openxmlformats.org/presentationml/2006/main">
-  <p:cSld>
-    <p:spTree>
-      <p:nvGrpSpPr>
-        <p:cNvPr id="1" name=""/>
-        <p:cNvGrpSpPr/>
-        <p:nvPr/>
-      </p:nvGrpSpPr>
-      <p:grpSpPr>
-        <a:xfrm>
-          <a:off x="0" y="0"/>
-          <a:ext cx="0" cy="0"/>
-          <a:chOff x="0" y="0"/>
-          <a:chExt cx="0" cy="0"/>
-        </a:xfrm>
-      </p:grpSpPr>
-      <p:sp>
-        <p:nvSpPr>
-          <p:cNvPr id="2" name="Title 1"/>
-          <p:cNvSpPr>
-            <a:spLocks noGrp="1"/>
-          </p:cNvSpPr>
-          <p:nvPr>
-            <p:ph type="title"/>
-          </p:nvPr>
-        </p:nvSpPr>
-        <p:spPr/>
-        <p:txBody>
-          <a:bodyPr/>
-          <a:lstStyle/>
-          <a:p>
-            <a:r>
-              <a:rPr lang="en-US" dirty="0" smtClean="0">
-                <a:solidFill>
-                  <a:srgbClr val="FF0000"/>
-                </a:solidFill>
-              </a:rPr>
-              <a:t>Tools </a:t>
-            </a:r>
-            <a:endParaRPr lang="en-US" dirty="0">
-              <a:solidFill>
-                <a:srgbClr val="FF0000"/>
-              </a:solidFill>
-            </a:endParaRPr>
-          </a:p>
-        </p:txBody>
-      </p:sp>
-      <p:sp>
-        <p:nvSpPr>
-          <p:cNvPr id="3" name="Content Placeholder 2"/>
-          <p:cNvSpPr>
-            <a:spLocks noGrp="1"/>
-          </p:cNvSpPr>
-          <p:nvPr>
-            <p:ph idx="1"/>
-          </p:nvPr>
-        </p:nvSpPr>
-        <p:spPr/>
-        <p:txBody>
-          <a:bodyPr/>
-          <a:lstStyle/>
-          <a:p>
-            <a:r>
-              <a:rPr lang="en-US" dirty="0" smtClean="0"/>
-              <a:t>Java Development Kit JDK 8</a:t>
-            </a:r>
-          </a:p>
-          <a:p>
-            <a:endParaRPr lang="en-US" dirty="0" smtClean="0"/>
-          </a:p>
-          <a:p>
-            <a:r>
-              <a:rPr lang="en-US" dirty="0" smtClean="0"/>
-              <a:t>Text editor or IDE:</a:t>
-            </a:r>
-          </a:p>
-          <a:p>
-            <a:pPr marL="914400" lvl="1" indent="-457200">
-              <a:buFont typeface="+mj-lt"/>
-              <a:buAutoNum type="arabicPeriod"/>
-            </a:pPr>
-            <a:r>
-              <a:rPr lang="en-US" dirty="0" smtClean="0"/>
-              <a:t>NetBeans </a:t>
-            </a:r>
-            <a:r>
-              <a:rPr lang="en-US" dirty="0" smtClean="0">
-                <a:solidFill>
-                  <a:schemeClr val="accent1"/>
-                </a:solidFill>
-              </a:rPr>
-              <a:t>IDE </a:t>
-            </a:r>
-          </a:p>
-          <a:p>
-            <a:pPr marL="914400" lvl="1" indent="-457200">
-              <a:buFont typeface="+mj-lt"/>
-              <a:buAutoNum type="arabicPeriod"/>
-            </a:pPr>
-            <a:r>
-              <a:rPr lang="en-US" b="1" dirty="0" smtClean="0">
-                <a:solidFill>
-                  <a:srgbClr val="00B050"/>
-                </a:solidFill>
-              </a:rPr>
-              <a:t>Eclipse IDE</a:t>
-            </a:r>
-          </a:p>
-          <a:p>
-            <a:pPr marL="914400" lvl="1" indent="-457200">
-              <a:buFont typeface="+mj-lt"/>
-              <a:buAutoNum type="arabicPeriod"/>
-            </a:pPr>
-            <a:r>
-              <a:rPr lang="en-US" dirty="0" smtClean="0"/>
-              <a:t>MS Notepad </a:t>
-            </a:r>
-            <a:r>
-              <a:rPr lang="en-US" dirty="0" smtClean="0">
-                <a:solidFill>
-                  <a:schemeClr val="accent1"/>
-                </a:solidFill>
-              </a:rPr>
-              <a:t>text</a:t>
-            </a:r>
-            <a:r>
-              <a:rPr lang="en-US" dirty="0" smtClean="0"/>
-              <a:t> </a:t>
-            </a:r>
-            <a:r>
-              <a:rPr lang="en-US" dirty="0" smtClean="0">
-                <a:solidFill>
-                  <a:schemeClr val="accent1"/>
-                </a:solidFill>
-              </a:rPr>
-              <a:t>editor</a:t>
-            </a:r>
-          </a:p>
-          <a:p>
-            <a:pPr marL="914400" lvl="1" indent="-457200">
-              <a:buFont typeface="+mj-lt"/>
-              <a:buAutoNum type="arabicPeriod"/>
-            </a:pPr>
-            <a:endParaRPr lang="en-US" dirty="0" smtClean="0">
-              <a:solidFill>
-                <a:schemeClr val="accent1"/>
-              </a:solidFill>
-            </a:endParaRPr>
-          </a:p>
-          <a:p>
-            <a:r>
-              <a:rPr lang="en-US" dirty="0">
-                <a:solidFill>
-                  <a:schemeClr val="accent1"/>
-                </a:solidFill>
-              </a:rPr>
-              <a:t>GitHub</a:t>
-            </a:r>
-            <a:r>
-              <a:rPr lang="en-US" dirty="0"/>
-              <a:t> source control</a:t>
-            </a:r>
-          </a:p>
-        </p:txBody>
-      </p:sp>
-      <p:pic>
-        <p:nvPicPr>
-          <p:cNvPr id="2050" name="Picture 2" descr="http://lucasbardella.com/media/lucasbardella/blog/github.jpg"/>
-          <p:cNvPicPr>
-            <a:picLocks noChangeAspect="1" noChangeArrowheads="1"/>
-          </p:cNvPicPr>
-          <p:nvPr/>
-        </p:nvPicPr>
-        <p:blipFill>
-          <a:blip r:embed="rId2">
-            <a:extLst>
-              <a:ext uri="{28A0092B-C50C-407E-A947-70E740481C1C}">
-                <a14:useLocalDpi xmlns:a14="http://schemas.microsoft.com/office/drawing/2010/main" val="0"/>
-              </a:ext>
-            </a:extLst>
-          </a:blip>
-          <a:srcRect/>
-          <a:stretch>
-            <a:fillRect/>
-          </a:stretch>
-        </p:blipFill>
-        <p:spPr bwMode="auto">
-          <a:xfrm>
-            <a:off x="5530704" y="2862397"/>
-            <a:ext cx="5085870" cy="3314566"/>
-          </a:xfrm>
-          <a:prstGeom prst="rect">
-            <a:avLst/>
-          </a:prstGeom>
-          <a:noFill/>
-          <a:extLst>
-            <a:ext uri="{909E8E84-426E-40DD-AFC4-6F175D3DCCD1}">
-              <a14:hiddenFill xmlns:a14="http://schemas.microsoft.com/office/drawing/2010/main">
-                <a:solidFill>
-                  <a:srgbClr val="FFFFFF"/>
-                </a:solidFill>
-              </a14:hiddenFill>
-            </a:ext>
-          </a:extLst>
-        </p:spPr>
-      </p:pic>
-    </p:spTree>
-    <p:extLst>
-      <p:ext uri="{BB962C8B-B14F-4D97-AF65-F5344CB8AC3E}">
-        <p14:creationId xmlns:p14="http://schemas.microsoft.com/office/powerpoint/2010/main" val="1657920492"/>
-      </p:ext>
-    </p:extLst>
-  </p:cSld>
-  <p:clrMapOvr>
-    <a:masterClrMapping/>
-  </p:clrMapOvr>
-  <p:timing>
-    <p:tnLst>
-      <p:par>
-        <p:cTn id="1" dur="indefinite" restart="never" nodeType="tmRoot"/>
-      </p:par>
-    </p:tnLst>
-  </p:timing>
-</p:sld>
-</file>
-
-<file path=ppt/slides/slide8.xml><?xml version="1.0" encoding="utf-8"?>
-<p:sld xmlns:a="http://schemas.openxmlformats.org/drawingml/2006/main" xmlns:r="http://schemas.openxmlformats.org/officeDocument/2006/relationships" xmlns:p="http://schemas.openxmlformats.org/presentationml/2006/main">
-  <p:cSld>
-    <p:spTree>
-      <p:nvGrpSpPr>
-        <p:cNvPr id="1" name=""/>
-        <p:cNvGrpSpPr/>
-        <p:nvPr/>
-      </p:nvGrpSpPr>
-      <p:grpSpPr>
-        <a:xfrm>
-          <a:off x="0" y="0"/>
-          <a:ext cx="0" cy="0"/>
-          <a:chOff x="0" y="0"/>
-          <a:chExt cx="0" cy="0"/>
-        </a:xfrm>
-      </p:grpSpPr>
-      <p:sp>
-        <p:nvSpPr>
-          <p:cNvPr id="2" name="Title 1"/>
-          <p:cNvSpPr>
-            <a:spLocks noGrp="1"/>
-          </p:cNvSpPr>
-          <p:nvPr>
-            <p:ph type="title"/>
-          </p:nvPr>
-        </p:nvSpPr>
-        <p:spPr/>
-        <p:txBody>
-          <a:bodyPr/>
-          <a:lstStyle/>
-          <a:p>
-            <a:r>
-              <a:rPr lang="en-US" dirty="0" smtClean="0">
-                <a:solidFill>
-                  <a:srgbClr val="FF0000"/>
-                </a:solidFill>
-              </a:rPr>
-              <a:t>Repository Page</a:t>
-            </a:r>
-            <a:endParaRPr lang="en-US" dirty="0">
-              <a:solidFill>
-                <a:srgbClr val="FF0000"/>
-              </a:solidFill>
-            </a:endParaRPr>
-          </a:p>
-        </p:txBody>
-      </p:sp>
-      <p:pic>
-        <p:nvPicPr>
-          <p:cNvPr id="5" name="Picture 4"/>
-          <p:cNvPicPr>
-            <a:picLocks noChangeAspect="1"/>
-          </p:cNvPicPr>
-          <p:nvPr/>
-        </p:nvPicPr>
-        <p:blipFill>
-          <a:blip r:embed="rId2"/>
-          <a:stretch>
-            <a:fillRect/>
-          </a:stretch>
-        </p:blipFill>
-        <p:spPr>
-          <a:xfrm>
-            <a:off x="359792" y="2087563"/>
-            <a:ext cx="8478276" cy="4089521"/>
-          </a:xfrm>
-          <a:prstGeom prst="rect">
-            <a:avLst/>
-          </a:prstGeom>
-          <a:ln>
-            <a:noFill/>
-          </a:ln>
-          <a:effectLst>
-            <a:outerShdw blurRad="292100" dist="139700" dir="2700000" algn="tl" rotWithShape="0">
-              <a:srgbClr val="333333">
-                <a:alpha val="65000"/>
-              </a:srgbClr>
-            </a:outerShdw>
-          </a:effectLst>
-        </p:spPr>
-      </p:pic>
-      <p:pic>
-        <p:nvPicPr>
-          <p:cNvPr id="4" name="Content Placeholder 3"/>
-          <p:cNvPicPr>
-            <a:picLocks noGrp="1" noChangeAspect="1"/>
-          </p:cNvPicPr>
-          <p:nvPr>
-            <p:ph idx="1"/>
-          </p:nvPr>
-        </p:nvPicPr>
-        <p:blipFill>
-          <a:blip r:embed="rId3"/>
-          <a:stretch>
-            <a:fillRect/>
-          </a:stretch>
-        </p:blipFill>
-        <p:spPr>
-          <a:xfrm>
-            <a:off x="5174062" y="762000"/>
-            <a:ext cx="6928895" cy="4190619"/>
-          </a:xfrm>
-          <a:prstGeom prst="rect">
-            <a:avLst/>
-          </a:prstGeom>
-          <a:ln>
-            <a:noFill/>
-          </a:ln>
-          <a:effectLst>
-            <a:outerShdw blurRad="292100" dist="139700" dir="2700000" algn="tl" rotWithShape="0">
-              <a:srgbClr val="333333">
-                <a:alpha val="65000"/>
-              </a:srgbClr>
-            </a:outerShdw>
-          </a:effectLst>
-        </p:spPr>
-      </p:pic>
-    </p:spTree>
-    <p:extLst>
-      <p:ext uri="{BB962C8B-B14F-4D97-AF65-F5344CB8AC3E}">
-        <p14:creationId xmlns:p14="http://schemas.microsoft.com/office/powerpoint/2010/main" val="366583315"/>
-      </p:ext>
-    </p:extLst>
-  </p:cSld>
-  <p:clrMapOvr>
-    <a:masterClrMapping/>
-  </p:clrMapOvr>
-  <p:timing>
-    <p:tnLst>
-      <p:par>
-        <p:cTn id="1" dur="indefinite" restart="never" nodeType="tmRoot"/>
-      </p:par>
-    </p:tnLst>
-  </p:timing>
-</p:sld>
-</file>
-
 <file path=ppt/slides/slide9.xml><?xml version="1.0" encoding="utf-8"?>
 <p:sld xmlns:a="http://schemas.openxmlformats.org/drawingml/2006/main" xmlns:r="http://schemas.openxmlformats.org/officeDocument/2006/relationships" xmlns:p="http://schemas.openxmlformats.org/presentationml/2006/main">
   <p:cSld>
@@ -5061,65 +5843,241 @@
           <a:chExt cx="0" cy="0"/>
         </a:xfrm>
       </p:grpSpPr>
+      <p:sp>
+        <p:nvSpPr>
+          <p:cNvPr id="2" name="Title 1"/>
+          <p:cNvSpPr>
+            <a:spLocks noGrp="1"/>
+          </p:cNvSpPr>
+          <p:nvPr>
+            <p:ph type="title"/>
+          </p:nvPr>
+        </p:nvSpPr>
+        <p:spPr/>
+        <p:txBody>
+          <a:bodyPr/>
+          <a:lstStyle/>
+          <a:p>
+            <a:r>
+              <a:rPr lang="en-US" dirty="0" smtClean="0">
+                <a:solidFill>
+                  <a:srgbClr val="FF0000"/>
+                </a:solidFill>
+              </a:rPr>
+              <a:t>Tools </a:t>
+            </a:r>
+            <a:endParaRPr lang="en-US" dirty="0">
+              <a:solidFill>
+                <a:srgbClr val="FF0000"/>
+              </a:solidFill>
+            </a:endParaRPr>
+          </a:p>
+        </p:txBody>
+      </p:sp>
+      <p:sp>
+        <p:nvSpPr>
+          <p:cNvPr id="3" name="Content Placeholder 2"/>
+          <p:cNvSpPr>
+            <a:spLocks noGrp="1"/>
+          </p:cNvSpPr>
+          <p:nvPr>
+            <p:ph idx="1"/>
+          </p:nvPr>
+        </p:nvSpPr>
+        <p:spPr/>
+        <p:txBody>
+          <a:bodyPr/>
+          <a:lstStyle/>
+          <a:p>
+            <a:r>
+              <a:rPr lang="en-US" dirty="0" smtClean="0"/>
+              <a:t>Java Development Kit JDK 8</a:t>
+            </a:r>
+          </a:p>
+          <a:p>
+            <a:endParaRPr lang="en-US" dirty="0" smtClean="0"/>
+          </a:p>
+          <a:p>
+            <a:r>
+              <a:rPr lang="en-US" dirty="0" smtClean="0"/>
+              <a:t>Text editor or IDE:</a:t>
+            </a:r>
+          </a:p>
+          <a:p>
+            <a:pPr marL="914400" lvl="1" indent="-457200">
+              <a:buFont typeface="+mj-lt"/>
+              <a:buAutoNum type="arabicPeriod"/>
+            </a:pPr>
+            <a:r>
+              <a:rPr lang="en-US" dirty="0" smtClean="0"/>
+              <a:t>NetBeans </a:t>
+            </a:r>
+            <a:r>
+              <a:rPr lang="en-US" dirty="0" smtClean="0">
+                <a:solidFill>
+                  <a:schemeClr val="accent1"/>
+                </a:solidFill>
+              </a:rPr>
+              <a:t>IDE </a:t>
+            </a:r>
+          </a:p>
+          <a:p>
+            <a:pPr marL="914400" lvl="1" indent="-457200">
+              <a:buFont typeface="+mj-lt"/>
+              <a:buAutoNum type="arabicPeriod"/>
+            </a:pPr>
+            <a:r>
+              <a:rPr lang="en-US" b="1" dirty="0" smtClean="0">
+                <a:solidFill>
+                  <a:srgbClr val="00B050"/>
+                </a:solidFill>
+              </a:rPr>
+              <a:t>Eclipse IDE</a:t>
+            </a:r>
+          </a:p>
+          <a:p>
+            <a:pPr marL="914400" lvl="1" indent="-457200">
+              <a:buFont typeface="+mj-lt"/>
+              <a:buAutoNum type="arabicPeriod"/>
+            </a:pPr>
+            <a:r>
+              <a:rPr lang="en-US" dirty="0" smtClean="0"/>
+              <a:t>MS Notepad </a:t>
+            </a:r>
+            <a:r>
+              <a:rPr lang="en-US" dirty="0" smtClean="0">
+                <a:solidFill>
+                  <a:schemeClr val="accent1"/>
+                </a:solidFill>
+              </a:rPr>
+              <a:t>text</a:t>
+            </a:r>
+            <a:r>
+              <a:rPr lang="en-US" dirty="0" smtClean="0"/>
+              <a:t> </a:t>
+            </a:r>
+            <a:r>
+              <a:rPr lang="en-US" dirty="0" smtClean="0">
+                <a:solidFill>
+                  <a:schemeClr val="accent1"/>
+                </a:solidFill>
+              </a:rPr>
+              <a:t>editor</a:t>
+            </a:r>
+          </a:p>
+          <a:p>
+            <a:pPr marL="914400" lvl="1" indent="-457200">
+              <a:buFont typeface="+mj-lt"/>
+              <a:buAutoNum type="arabicPeriod"/>
+            </a:pPr>
+            <a:endParaRPr lang="en-US" dirty="0" smtClean="0">
+              <a:solidFill>
+                <a:schemeClr val="accent1"/>
+              </a:solidFill>
+            </a:endParaRPr>
+          </a:p>
+          <a:p>
+            <a:r>
+              <a:rPr lang="en-US" dirty="0">
+                <a:solidFill>
+                  <a:schemeClr val="accent1"/>
+                </a:solidFill>
+              </a:rPr>
+              <a:t>GitHub</a:t>
+            </a:r>
+            <a:r>
+              <a:rPr lang="en-US" dirty="0"/>
+              <a:t> source control</a:t>
+            </a:r>
+          </a:p>
+        </p:txBody>
+      </p:sp>
       <p:pic>
         <p:nvPicPr>
-          <p:cNvPr id="5" name="Picture 4"/>
+          <p:cNvPr id="2050" name="Picture 2" descr="http://lucasbardella.com/media/lucasbardella/blog/github.jpg"/>
           <p:cNvPicPr>
-            <a:picLocks noChangeAspect="1"/>
+            <a:picLocks noChangeAspect="1" noChangeArrowheads="1"/>
           </p:cNvPicPr>
           <p:nvPr/>
         </p:nvPicPr>
         <p:blipFill>
-          <a:blip r:embed="rId2"/>
+          <a:blip r:embed="rId2" cstate="print">
+            <a:extLst>
+              <a:ext uri="{28A0092B-C50C-407E-A947-70E740481C1C}">
+                <a14:useLocalDpi xmlns:a14="http://schemas.microsoft.com/office/drawing/2010/main" val="0"/>
+              </a:ext>
+            </a:extLst>
+          </a:blip>
+          <a:srcRect/>
           <a:stretch>
             <a:fillRect/>
           </a:stretch>
         </p:blipFill>
-        <p:spPr>
+        <p:spPr bwMode="auto">
           <a:xfrm>
-            <a:off x="2779690" y="1334770"/>
-            <a:ext cx="6632620" cy="5286715"/>
+            <a:off x="7925199" y="3024131"/>
+            <a:ext cx="3778104" cy="2462268"/>
           </a:xfrm>
           <a:prstGeom prst="rect">
             <a:avLst/>
           </a:prstGeom>
+          <a:noFill/>
+          <a:extLst>
+            <a:ext uri="{909E8E84-426E-40DD-AFC4-6F175D3DCCD1}">
+              <a14:hiddenFill xmlns:a14="http://schemas.microsoft.com/office/drawing/2010/main">
+                <a:solidFill>
+                  <a:srgbClr val="FFFFFF"/>
+                </a:solidFill>
+              </a14:hiddenFill>
+            </a:ext>
+          </a:extLst>
         </p:spPr>
       </p:pic>
-      <p:sp>
-        <p:nvSpPr>
-          <p:cNvPr id="4" name="Title 3"/>
-          <p:cNvSpPr>
-            <a:spLocks noGrp="1"/>
-          </p:cNvSpPr>
-          <p:nvPr>
-            <p:ph type="title"/>
-          </p:nvPr>
-        </p:nvSpPr>
-        <p:spPr/>
-        <p:txBody>
-          <a:bodyPr/>
-          <a:lstStyle/>
-          <a:p>
-            <a:r>
-              <a:rPr lang="en-US" b="1" dirty="0" smtClean="0">
-                <a:solidFill>
-                  <a:srgbClr val="FF0000"/>
-                </a:solidFill>
-              </a:rPr>
-              <a:t>Java Keywords</a:t>
-            </a:r>
-            <a:endParaRPr lang="en-US" b="1" dirty="0">
-              <a:solidFill>
-                <a:srgbClr val="FF0000"/>
-              </a:solidFill>
-            </a:endParaRPr>
-          </a:p>
-        </p:txBody>
-      </p:sp>
+      <p:pic>
+        <p:nvPicPr>
+          <p:cNvPr id="3074" name="Picture 2" descr="https://eclipse.org/eclipse.org-common/themes/solstice/public/images/logo/eclipse-800x188.png"/>
+          <p:cNvPicPr>
+            <a:picLocks noChangeAspect="1" noChangeArrowheads="1"/>
+          </p:cNvPicPr>
+          <p:nvPr/>
+        </p:nvPicPr>
+        <p:blipFill>
+          <a:blip r:embed="rId3">
+            <a:extLst>
+              <a:ext uri="{28A0092B-C50C-407E-A947-70E740481C1C}">
+                <a14:useLocalDpi xmlns:a14="http://schemas.microsoft.com/office/drawing/2010/main" val="0"/>
+              </a:ext>
+            </a:extLst>
+          </a:blip>
+          <a:srcRect/>
+          <a:stretch>
+            <a:fillRect/>
+          </a:stretch>
+        </p:blipFill>
+        <p:spPr bwMode="auto">
+          <a:xfrm>
+            <a:off x="7936568" y="1746813"/>
+            <a:ext cx="3582837" cy="841967"/>
+          </a:xfrm>
+          <a:prstGeom prst="rect">
+            <a:avLst/>
+          </a:prstGeom>
+          <a:noFill/>
+          <a:extLst>
+            <a:ext uri="{909E8E84-426E-40DD-AFC4-6F175D3DCCD1}">
+              <a14:hiddenFill xmlns:a14="http://schemas.microsoft.com/office/drawing/2010/main">
+                <a:solidFill>
+                  <a:srgbClr val="FFFFFF"/>
+                </a:solidFill>
+              </a14:hiddenFill>
+            </a:ext>
+          </a:extLst>
+        </p:spPr>
+      </p:pic>
     </p:spTree>
     <p:extLst>
       <p:ext uri="{BB962C8B-B14F-4D97-AF65-F5344CB8AC3E}">
-        <p14:creationId xmlns:p14="http://schemas.microsoft.com/office/powerpoint/2010/main" val="1138825706"/>
+        <p14:creationId xmlns:p14="http://schemas.microsoft.com/office/powerpoint/2010/main" val="1657920492"/>
       </p:ext>
     </p:extLst>
   </p:cSld>
@@ -5395,4 +6353,265 @@
     </a:ext>
   </a:extLst>
 </a:theme>
+</file>
+
+<file path=ppt/theme/theme2.xml><?xml version="1.0" encoding="utf-8"?>
+<a:theme xmlns:a="http://schemas.openxmlformats.org/drawingml/2006/main" name="Office Theme">
+  <a:themeElements>
+    <a:clrScheme name="Office">
+      <a:dk1>
+        <a:sysClr val="windowText" lastClr="000000"/>
+      </a:dk1>
+      <a:lt1>
+        <a:sysClr val="window" lastClr="FFFFFF"/>
+      </a:lt1>
+      <a:dk2>
+        <a:srgbClr val="44546A"/>
+      </a:dk2>
+      <a:lt2>
+        <a:srgbClr val="E7E6E6"/>
+      </a:lt2>
+      <a:accent1>
+        <a:srgbClr val="5B9BD5"/>
+      </a:accent1>
+      <a:accent2>
+        <a:srgbClr val="ED7D31"/>
+      </a:accent2>
+      <a:accent3>
+        <a:srgbClr val="A5A5A5"/>
+      </a:accent3>
+      <a:accent4>
+        <a:srgbClr val="FFC000"/>
+      </a:accent4>
+      <a:accent5>
+        <a:srgbClr val="4472C4"/>
+      </a:accent5>
+      <a:accent6>
+        <a:srgbClr val="70AD47"/>
+      </a:accent6>
+      <a:hlink>
+        <a:srgbClr val="0563C1"/>
+      </a:hlink>
+      <a:folHlink>
+        <a:srgbClr val="954F72"/>
+      </a:folHlink>
+    </a:clrScheme>
+    <a:fontScheme name="Office">
+      <a:majorFont>
+        <a:latin typeface="Calibri Light" panose="020F0302020204030204"/>
+        <a:ea typeface=""/>
+        <a:cs typeface=""/>
+        <a:font script="Jpan" typeface="ＭＳ Ｐゴシック"/>
+        <a:font script="Hang" typeface="맑은 고딕"/>
+        <a:font script="Hans" typeface="宋体"/>
+        <a:font script="Hant" typeface="新細明體"/>
+        <a:font script="Arab" typeface="Times New Roman"/>
+        <a:font script="Hebr" typeface="Times New Roman"/>
+        <a:font script="Thai" typeface="Angsana New"/>
+        <a:font script="Ethi" typeface="Nyala"/>
+        <a:font script="Beng" typeface="Vrinda"/>
+        <a:font script="Gujr" typeface="Shruti"/>
+        <a:font script="Khmr" typeface="MoolBoran"/>
+        <a:font script="Knda" typeface="Tunga"/>
+        <a:font script="Guru" typeface="Raavi"/>
+        <a:font script="Cans" typeface="Euphemia"/>
+        <a:font script="Cher" typeface="Plantagenet Cherokee"/>
+        <a:font script="Yiii" typeface="Microsoft Yi Baiti"/>
+        <a:font script="Tibt" typeface="Microsoft Himalaya"/>
+        <a:font script="Thaa" typeface="MV Boli"/>
+        <a:font script="Deva" typeface="Mangal"/>
+        <a:font script="Telu" typeface="Gautami"/>
+        <a:font script="Taml" typeface="Latha"/>
+        <a:font script="Syrc" typeface="Estrangelo Edessa"/>
+        <a:font script="Orya" typeface="Kalinga"/>
+        <a:font script="Mlym" typeface="Kartika"/>
+        <a:font script="Laoo" typeface="DokChampa"/>
+        <a:font script="Sinh" typeface="Iskoola Pota"/>
+        <a:font script="Mong" typeface="Mongolian Baiti"/>
+        <a:font script="Viet" typeface="Times New Roman"/>
+        <a:font script="Uigh" typeface="Microsoft Uighur"/>
+        <a:font script="Geor" typeface="Sylfaen"/>
+      </a:majorFont>
+      <a:minorFont>
+        <a:latin typeface="Calibri" panose="020F0502020204030204"/>
+        <a:ea typeface=""/>
+        <a:cs typeface=""/>
+        <a:font script="Jpan" typeface="ＭＳ Ｐゴシック"/>
+        <a:font script="Hang" typeface="맑은 고딕"/>
+        <a:font script="Hans" typeface="宋体"/>
+        <a:font script="Hant" typeface="新細明體"/>
+        <a:font script="Arab" typeface="Arial"/>
+        <a:font script="Hebr" typeface="Arial"/>
+        <a:font script="Thai" typeface="Cordia New"/>
+        <a:font script="Ethi" typeface="Nyala"/>
+        <a:font script="Beng" typeface="Vrinda"/>
+        <a:font script="Gujr" typeface="Shruti"/>
+        <a:font script="Khmr" typeface="DaunPenh"/>
+        <a:font script="Knda" typeface="Tunga"/>
+        <a:font script="Guru" typeface="Raavi"/>
+        <a:font script="Cans" typeface="Euphemia"/>
+        <a:font script="Cher" typeface="Plantagenet Cherokee"/>
+        <a:font script="Yiii" typeface="Microsoft Yi Baiti"/>
+        <a:font script="Tibt" typeface="Microsoft Himalaya"/>
+        <a:font script="Thaa" typeface="MV Boli"/>
+        <a:font script="Deva" typeface="Mangal"/>
+        <a:font script="Telu" typeface="Gautami"/>
+        <a:font script="Taml" typeface="Latha"/>
+        <a:font script="Syrc" typeface="Estrangelo Edessa"/>
+        <a:font script="Orya" typeface="Kalinga"/>
+        <a:font script="Mlym" typeface="Kartika"/>
+        <a:font script="Laoo" typeface="DokChampa"/>
+        <a:font script="Sinh" typeface="Iskoola Pota"/>
+        <a:font script="Mong" typeface="Mongolian Baiti"/>
+        <a:font script="Viet" typeface="Arial"/>
+        <a:font script="Uigh" typeface="Microsoft Uighur"/>
+        <a:font script="Geor" typeface="Sylfaen"/>
+      </a:minorFont>
+    </a:fontScheme>
+    <a:fmtScheme name="Office">
+      <a:fillStyleLst>
+        <a:solidFill>
+          <a:schemeClr val="phClr"/>
+        </a:solidFill>
+        <a:gradFill rotWithShape="1">
+          <a:gsLst>
+            <a:gs pos="0">
+              <a:schemeClr val="phClr">
+                <a:lumMod val="110000"/>
+                <a:satMod val="105000"/>
+                <a:tint val="67000"/>
+              </a:schemeClr>
+            </a:gs>
+            <a:gs pos="50000">
+              <a:schemeClr val="phClr">
+                <a:lumMod val="105000"/>
+                <a:satMod val="103000"/>
+                <a:tint val="73000"/>
+              </a:schemeClr>
+            </a:gs>
+            <a:gs pos="100000">
+              <a:schemeClr val="phClr">
+                <a:lumMod val="105000"/>
+                <a:satMod val="109000"/>
+                <a:tint val="81000"/>
+              </a:schemeClr>
+            </a:gs>
+          </a:gsLst>
+          <a:lin ang="5400000" scaled="0"/>
+        </a:gradFill>
+        <a:gradFill rotWithShape="1">
+          <a:gsLst>
+            <a:gs pos="0">
+              <a:schemeClr val="phClr">
+                <a:satMod val="103000"/>
+                <a:lumMod val="102000"/>
+                <a:tint val="94000"/>
+              </a:schemeClr>
+            </a:gs>
+            <a:gs pos="50000">
+              <a:schemeClr val="phClr">
+                <a:satMod val="110000"/>
+                <a:lumMod val="100000"/>
+                <a:shade val="100000"/>
+              </a:schemeClr>
+            </a:gs>
+            <a:gs pos="100000">
+              <a:schemeClr val="phClr">
+                <a:lumMod val="99000"/>
+                <a:satMod val="120000"/>
+                <a:shade val="78000"/>
+              </a:schemeClr>
+            </a:gs>
+          </a:gsLst>
+          <a:lin ang="5400000" scaled="0"/>
+        </a:gradFill>
+      </a:fillStyleLst>
+      <a:lnStyleLst>
+        <a:ln w="6350" cap="flat" cmpd="sng" algn="ctr">
+          <a:solidFill>
+            <a:schemeClr val="phClr"/>
+          </a:solidFill>
+          <a:prstDash val="solid"/>
+          <a:miter lim="800000"/>
+        </a:ln>
+        <a:ln w="12700" cap="flat" cmpd="sng" algn="ctr">
+          <a:solidFill>
+            <a:schemeClr val="phClr"/>
+          </a:solidFill>
+          <a:prstDash val="solid"/>
+          <a:miter lim="800000"/>
+        </a:ln>
+        <a:ln w="19050" cap="flat" cmpd="sng" algn="ctr">
+          <a:solidFill>
+            <a:schemeClr val="phClr"/>
+          </a:solidFill>
+          <a:prstDash val="solid"/>
+          <a:miter lim="800000"/>
+        </a:ln>
+      </a:lnStyleLst>
+      <a:effectStyleLst>
+        <a:effectStyle>
+          <a:effectLst/>
+        </a:effectStyle>
+        <a:effectStyle>
+          <a:effectLst/>
+        </a:effectStyle>
+        <a:effectStyle>
+          <a:effectLst>
+            <a:outerShdw blurRad="57150" dist="19050" dir="5400000" algn="ctr" rotWithShape="0">
+              <a:srgbClr val="000000">
+                <a:alpha val="63000"/>
+              </a:srgbClr>
+            </a:outerShdw>
+          </a:effectLst>
+        </a:effectStyle>
+      </a:effectStyleLst>
+      <a:bgFillStyleLst>
+        <a:solidFill>
+          <a:schemeClr val="phClr"/>
+        </a:solidFill>
+        <a:solidFill>
+          <a:schemeClr val="phClr">
+            <a:tint val="95000"/>
+            <a:satMod val="170000"/>
+          </a:schemeClr>
+        </a:solidFill>
+        <a:gradFill rotWithShape="1">
+          <a:gsLst>
+            <a:gs pos="0">
+              <a:schemeClr val="phClr">
+                <a:tint val="93000"/>
+                <a:satMod val="150000"/>
+                <a:shade val="98000"/>
+                <a:lumMod val="102000"/>
+              </a:schemeClr>
+            </a:gs>
+            <a:gs pos="50000">
+              <a:schemeClr val="phClr">
+                <a:tint val="98000"/>
+                <a:satMod val="130000"/>
+                <a:shade val="90000"/>
+                <a:lumMod val="103000"/>
+              </a:schemeClr>
+            </a:gs>
+            <a:gs pos="100000">
+              <a:schemeClr val="phClr">
+                <a:shade val="63000"/>
+                <a:satMod val="120000"/>
+              </a:schemeClr>
+            </a:gs>
+          </a:gsLst>
+          <a:lin ang="5400000" scaled="0"/>
+        </a:gradFill>
+      </a:bgFillStyleLst>
+    </a:fmtScheme>
+  </a:themeElements>
+  <a:objectDefaults/>
+  <a:extraClrSchemeLst/>
+  <a:extLst>
+    <a:ext uri="{05A4C25C-085E-4340-85A3-A5531E510DB2}">
+      <thm15:themeFamily xmlns:thm15="http://schemas.microsoft.com/office/thememl/2012/main" name="Office Theme" id="{62F939B6-93AF-4DB8-9C6B-D6C7DFDC589F}" vid="{4A3C46E8-61CC-4603-A589-7422A47A8E4A}"/>
+    </a:ext>
+  </a:extLst>
+</a:theme>
 </file>